--- a/Slides/11 Vehicle/Vehicle.pptx
+++ b/Slides/11 Vehicle/Vehicle.pptx
@@ -11,6 +11,17 @@
     <p:sldId id="258" r:id="rId5"/>
     <p:sldId id="259" r:id="rId6"/>
     <p:sldId id="261" r:id="rId7"/>
+    <p:sldId id="262" r:id="rId8"/>
+    <p:sldId id="263" r:id="rId9"/>
+    <p:sldId id="264" r:id="rId10"/>
+    <p:sldId id="265" r:id="rId11"/>
+    <p:sldId id="266" r:id="rId12"/>
+    <p:sldId id="267" r:id="rId13"/>
+    <p:sldId id="268" r:id="rId14"/>
+    <p:sldId id="269" r:id="rId15"/>
+    <p:sldId id="270" r:id="rId16"/>
+    <p:sldId id="271" r:id="rId17"/>
+    <p:sldId id="272" r:id="rId18"/>
   </p:sldIdLst>
   <p:sldSz cx="9144000" cy="5143500" type="screen16x9"/>
   <p:notesSz cx="6858000" cy="9144000"/>
@@ -4118,6 +4129,1370 @@
 </p:sld>
 </file>
 
+<file path=ppt/slides/slide10.xml><?xml version="1.0" encoding="utf-8"?>
+<p:sld xmlns:a="http://schemas.openxmlformats.org/drawingml/2006/main" xmlns:r="http://schemas.openxmlformats.org/officeDocument/2006/relationships" xmlns:p="http://schemas.openxmlformats.org/presentationml/2006/main">
+  <p:cSld>
+    <p:spTree>
+      <p:nvGrpSpPr>
+        <p:cNvPr id="1" name=""/>
+        <p:cNvGrpSpPr/>
+        <p:nvPr/>
+      </p:nvGrpSpPr>
+      <p:grpSpPr>
+        <a:xfrm>
+          <a:off x="0" y="0"/>
+          <a:ext cx="0" cy="0"/>
+          <a:chOff x="0" y="0"/>
+          <a:chExt cx="0" cy="0"/>
+        </a:xfrm>
+      </p:grpSpPr>
+      <p:sp>
+        <p:nvSpPr>
+          <p:cNvPr id="2" name="标题 1"/>
+          <p:cNvSpPr>
+            <a:spLocks noGrp="1"/>
+          </p:cNvSpPr>
+          <p:nvPr>
+            <p:ph type="title"/>
+          </p:nvPr>
+        </p:nvSpPr>
+        <p:spPr/>
+        <p:txBody>
+          <a:bodyPr/>
+          <a:lstStyle/>
+          <a:p>
+            <a:endParaRPr lang="zh-CN" altLang="en-US"/>
+          </a:p>
+        </p:txBody>
+      </p:sp>
+      <p:sp>
+        <p:nvSpPr>
+          <p:cNvPr id="3" name="内容占位符 2"/>
+          <p:cNvSpPr>
+            <a:spLocks noGrp="1"/>
+          </p:cNvSpPr>
+          <p:nvPr>
+            <p:ph idx="1"/>
+          </p:nvPr>
+        </p:nvSpPr>
+        <p:spPr/>
+        <p:txBody>
+          <a:bodyPr/>
+          <a:lstStyle/>
+          <a:p>
+            <a:r>
+              <a:rPr lang="en-US" altLang="zh-CN" dirty="0"/>
+              <a:t>As an illustration of the usage of these functions, SnippetVehicle4W has the following initialization code:</a:t>
+            </a:r>
+          </a:p>
+          <a:p>
+            <a:endParaRPr lang="zh-CN" altLang="en-US" dirty="0"/>
+          </a:p>
+        </p:txBody>
+      </p:sp>
+      <p:sp>
+        <p:nvSpPr>
+          <p:cNvPr id="4" name="矩形 3"/>
+          <p:cNvSpPr/>
+          <p:nvPr/>
+        </p:nvSpPr>
+        <p:spPr>
+          <a:xfrm>
+            <a:off x="971600" y="2787774"/>
+            <a:ext cx="7704856" cy="923330"/>
+          </a:xfrm>
+          <a:prstGeom prst="rect">
+            <a:avLst/>
+          </a:prstGeom>
+        </p:spPr>
+        <p:txBody>
+          <a:bodyPr wrap="square">
+            <a:spAutoFit/>
+          </a:bodyPr>
+          <a:lstStyle/>
+          <a:p>
+            <a:r>
+              <a:rPr lang="en-US" altLang="zh-CN" dirty="0" err="1"/>
+              <a:t>PxInitVehicleSDK</a:t>
+            </a:r>
+            <a:r>
+              <a:rPr lang="en-US" altLang="zh-CN" dirty="0"/>
+              <a:t>(*</a:t>
+            </a:r>
+            <a:r>
+              <a:rPr lang="en-US" altLang="zh-CN" dirty="0" err="1"/>
+              <a:t>gPhysics</a:t>
+            </a:r>
+            <a:r>
+              <a:rPr lang="en-US" altLang="zh-CN" dirty="0"/>
+              <a:t>); </a:t>
+            </a:r>
+            <a:endParaRPr lang="en-US" altLang="zh-CN" dirty="0" smtClean="0"/>
+          </a:p>
+          <a:p>
+            <a:r>
+              <a:rPr lang="en-US" altLang="zh-CN" dirty="0" err="1" smtClean="0"/>
+              <a:t>PxVehicleSetBasisVectors</a:t>
+            </a:r>
+            <a:r>
+              <a:rPr lang="en-US" altLang="zh-CN" dirty="0" smtClean="0"/>
+              <a:t>(PxVec3(0,1,0</a:t>
+            </a:r>
+            <a:r>
+              <a:rPr lang="en-US" altLang="zh-CN" dirty="0"/>
+              <a:t>), PxVec3(0,0,1)); </a:t>
+            </a:r>
+            <a:r>
+              <a:rPr lang="en-US" altLang="zh-CN" dirty="0" err="1"/>
+              <a:t>PxVehicleSetUpdateMode</a:t>
+            </a:r>
+            <a:r>
+              <a:rPr lang="en-US" altLang="zh-CN" dirty="0"/>
+              <a:t>(</a:t>
+            </a:r>
+            <a:r>
+              <a:rPr lang="en-US" altLang="zh-CN" dirty="0" err="1"/>
+              <a:t>PxVehicleUpdateMode</a:t>
+            </a:r>
+            <a:r>
+              <a:rPr lang="en-US" altLang="zh-CN" dirty="0"/>
+              <a:t>::</a:t>
+            </a:r>
+            <a:r>
+              <a:rPr lang="en-US" altLang="zh-CN" dirty="0" err="1"/>
+              <a:t>eVELOCITY_CHANGE</a:t>
+            </a:r>
+            <a:r>
+              <a:rPr lang="en-US" altLang="zh-CN" dirty="0"/>
+              <a:t>); </a:t>
+            </a:r>
+            <a:endParaRPr lang="zh-CN" altLang="en-US" dirty="0"/>
+          </a:p>
+        </p:txBody>
+      </p:sp>
+    </p:spTree>
+    <p:extLst>
+      <p:ext uri="{BB962C8B-B14F-4D97-AF65-F5344CB8AC3E}">
+        <p14:creationId xmlns:p14="http://schemas.microsoft.com/office/powerpoint/2010/main" val="2684591551"/>
+      </p:ext>
+    </p:extLst>
+  </p:cSld>
+  <p:clrMapOvr>
+    <a:masterClrMapping/>
+  </p:clrMapOvr>
+</p:sld>
+</file>
+
+<file path=ppt/slides/slide11.xml><?xml version="1.0" encoding="utf-8"?>
+<p:sld xmlns:a="http://schemas.openxmlformats.org/drawingml/2006/main" xmlns:r="http://schemas.openxmlformats.org/officeDocument/2006/relationships" xmlns:p="http://schemas.openxmlformats.org/presentationml/2006/main">
+  <p:cSld>
+    <p:spTree>
+      <p:nvGrpSpPr>
+        <p:cNvPr id="1" name=""/>
+        <p:cNvGrpSpPr/>
+        <p:nvPr/>
+      </p:nvGrpSpPr>
+      <p:grpSpPr>
+        <a:xfrm>
+          <a:off x="0" y="0"/>
+          <a:ext cx="0" cy="0"/>
+          <a:chOff x="0" y="0"/>
+          <a:chExt cx="0" cy="0"/>
+        </a:xfrm>
+      </p:grpSpPr>
+      <p:sp>
+        <p:nvSpPr>
+          <p:cNvPr id="2" name="标题 1"/>
+          <p:cNvSpPr>
+            <a:spLocks noGrp="1"/>
+          </p:cNvSpPr>
+          <p:nvPr>
+            <p:ph type="title"/>
+          </p:nvPr>
+        </p:nvSpPr>
+        <p:spPr/>
+        <p:txBody>
+          <a:bodyPr>
+            <a:normAutofit fontScale="90000"/>
+          </a:bodyPr>
+          <a:lstStyle/>
+          <a:p>
+            <a:r>
+              <a:rPr lang="en-US" altLang="zh-CN" b="1" dirty="0"/>
+              <a:t>Introduction To Vehicle Creation</a:t>
+            </a:r>
+            <a:endParaRPr lang="zh-CN" altLang="en-US" dirty="0"/>
+          </a:p>
+        </p:txBody>
+      </p:sp>
+      <p:sp>
+        <p:nvSpPr>
+          <p:cNvPr id="3" name="内容占位符 2"/>
+          <p:cNvSpPr>
+            <a:spLocks noGrp="1"/>
+          </p:cNvSpPr>
+          <p:nvPr>
+            <p:ph idx="1"/>
+          </p:nvPr>
+        </p:nvSpPr>
+        <p:spPr/>
+        <p:txBody>
+          <a:bodyPr/>
+          <a:lstStyle/>
+          <a:p>
+            <a:endParaRPr lang="zh-CN" altLang="en-US"/>
+          </a:p>
+        </p:txBody>
+      </p:sp>
+      <p:sp>
+        <p:nvSpPr>
+          <p:cNvPr id="4" name="矩形 3"/>
+          <p:cNvSpPr/>
+          <p:nvPr/>
+        </p:nvSpPr>
+        <p:spPr>
+          <a:xfrm>
+            <a:off x="251520" y="896183"/>
+            <a:ext cx="9217024" cy="4247317"/>
+          </a:xfrm>
+          <a:prstGeom prst="rect">
+            <a:avLst/>
+          </a:prstGeom>
+        </p:spPr>
+        <p:txBody>
+          <a:bodyPr wrap="square">
+            <a:spAutoFit/>
+          </a:bodyPr>
+          <a:lstStyle/>
+          <a:p>
+            <a:r>
+              <a:rPr lang="en-US" altLang="zh-CN" dirty="0" err="1"/>
+              <a:t>const</a:t>
+            </a:r>
+            <a:r>
+              <a:rPr lang="en-US" altLang="zh-CN" dirty="0"/>
+              <a:t> PxU32 </a:t>
+            </a:r>
+            <a:r>
+              <a:rPr lang="en-US" altLang="zh-CN" dirty="0" err="1"/>
+              <a:t>numWheels</a:t>
+            </a:r>
+            <a:r>
+              <a:rPr lang="en-US" altLang="zh-CN" dirty="0"/>
+              <a:t> = 4;</a:t>
+            </a:r>
+          </a:p>
+          <a:p>
+            <a:endParaRPr lang="en-US" altLang="zh-CN" dirty="0"/>
+          </a:p>
+          <a:p>
+            <a:r>
+              <a:rPr lang="en-US" altLang="zh-CN" dirty="0" err="1"/>
+              <a:t>PxVehicleWheelsSimData</a:t>
+            </a:r>
+            <a:r>
+              <a:rPr lang="en-US" altLang="zh-CN" dirty="0"/>
+              <a:t>* </a:t>
+            </a:r>
+            <a:r>
+              <a:rPr lang="en-US" altLang="zh-CN" dirty="0" err="1"/>
+              <a:t>wheelsSimData</a:t>
+            </a:r>
+            <a:r>
+              <a:rPr lang="en-US" altLang="zh-CN" dirty="0"/>
+              <a:t> = </a:t>
+            </a:r>
+            <a:r>
+              <a:rPr lang="en-US" altLang="zh-CN" dirty="0" err="1"/>
+              <a:t>PxVehicleWheelsSimData</a:t>
+            </a:r>
+            <a:r>
+              <a:rPr lang="en-US" altLang="zh-CN" dirty="0"/>
+              <a:t>::allocate(</a:t>
+            </a:r>
+            <a:r>
+              <a:rPr lang="en-US" altLang="zh-CN" dirty="0" err="1"/>
+              <a:t>numWheels</a:t>
+            </a:r>
+            <a:r>
+              <a:rPr lang="en-US" altLang="zh-CN" dirty="0"/>
+              <a:t>);</a:t>
+            </a:r>
+          </a:p>
+          <a:p>
+            <a:r>
+              <a:rPr lang="en-US" altLang="zh-CN" dirty="0" err="1"/>
+              <a:t>setupWheelsSimulationData</a:t>
+            </a:r>
+            <a:r>
+              <a:rPr lang="en-US" altLang="zh-CN" dirty="0"/>
+              <a:t>(</a:t>
+            </a:r>
+            <a:r>
+              <a:rPr lang="en-US" altLang="zh-CN" dirty="0" err="1"/>
+              <a:t>wheelsSimData</a:t>
+            </a:r>
+            <a:r>
+              <a:rPr lang="en-US" altLang="zh-CN" dirty="0"/>
+              <a:t>);</a:t>
+            </a:r>
+          </a:p>
+          <a:p>
+            <a:endParaRPr lang="en-US" altLang="zh-CN" dirty="0"/>
+          </a:p>
+          <a:p>
+            <a:r>
+              <a:rPr lang="en-US" altLang="zh-CN" dirty="0"/>
+              <a:t>PxVehicleDriveSimData4W </a:t>
+            </a:r>
+            <a:r>
+              <a:rPr lang="en-US" altLang="zh-CN" dirty="0" err="1"/>
+              <a:t>driveSimData</a:t>
+            </a:r>
+            <a:r>
+              <a:rPr lang="en-US" altLang="zh-CN" dirty="0"/>
+              <a:t>;</a:t>
+            </a:r>
+          </a:p>
+          <a:p>
+            <a:r>
+              <a:rPr lang="en-US" altLang="zh-CN" dirty="0" err="1"/>
+              <a:t>setupDriveSimData</a:t>
+            </a:r>
+            <a:r>
+              <a:rPr lang="en-US" altLang="zh-CN" dirty="0"/>
+              <a:t>(</a:t>
+            </a:r>
+            <a:r>
+              <a:rPr lang="en-US" altLang="zh-CN" dirty="0" err="1"/>
+              <a:t>driveSimData</a:t>
+            </a:r>
+            <a:r>
+              <a:rPr lang="en-US" altLang="zh-CN" dirty="0"/>
+              <a:t>);</a:t>
+            </a:r>
+          </a:p>
+          <a:p>
+            <a:endParaRPr lang="en-US" altLang="zh-CN" dirty="0"/>
+          </a:p>
+          <a:p>
+            <a:r>
+              <a:rPr lang="en-US" altLang="zh-CN" dirty="0" err="1"/>
+              <a:t>PxRigidDynamic</a:t>
+            </a:r>
+            <a:r>
+              <a:rPr lang="en-US" altLang="zh-CN" dirty="0"/>
+              <a:t>* </a:t>
+            </a:r>
+            <a:r>
+              <a:rPr lang="en-US" altLang="zh-CN" dirty="0" err="1"/>
+              <a:t>vehActor</a:t>
+            </a:r>
+            <a:r>
+              <a:rPr lang="en-US" altLang="zh-CN" dirty="0"/>
+              <a:t> = </a:t>
+            </a:r>
+            <a:r>
+              <a:rPr lang="en-US" altLang="zh-CN" dirty="0" err="1"/>
+              <a:t>myPhysics.createRigidDynamic</a:t>
+            </a:r>
+            <a:r>
+              <a:rPr lang="en-US" altLang="zh-CN" dirty="0"/>
+              <a:t>(</a:t>
+            </a:r>
+            <a:r>
+              <a:rPr lang="en-US" altLang="zh-CN" dirty="0" err="1"/>
+              <a:t>startPose</a:t>
+            </a:r>
+            <a:r>
+              <a:rPr lang="en-US" altLang="zh-CN" dirty="0"/>
+              <a:t>);</a:t>
+            </a:r>
+          </a:p>
+          <a:p>
+            <a:r>
+              <a:rPr lang="en-US" altLang="zh-CN" dirty="0" err="1"/>
+              <a:t>setupVehicleActor</a:t>
+            </a:r>
+            <a:r>
+              <a:rPr lang="en-US" altLang="zh-CN" dirty="0"/>
+              <a:t>(</a:t>
+            </a:r>
+            <a:r>
+              <a:rPr lang="en-US" altLang="zh-CN" dirty="0" err="1"/>
+              <a:t>vehActor</a:t>
+            </a:r>
+            <a:r>
+              <a:rPr lang="en-US" altLang="zh-CN" dirty="0"/>
+              <a:t>);</a:t>
+            </a:r>
+          </a:p>
+          <a:p>
+            <a:r>
+              <a:rPr lang="en-US" altLang="zh-CN" dirty="0" err="1"/>
+              <a:t>myScene.addActor</a:t>
+            </a:r>
+            <a:r>
+              <a:rPr lang="en-US" altLang="zh-CN" dirty="0"/>
+              <a:t>(*</a:t>
+            </a:r>
+            <a:r>
+              <a:rPr lang="en-US" altLang="zh-CN" dirty="0" err="1"/>
+              <a:t>vehActor</a:t>
+            </a:r>
+            <a:r>
+              <a:rPr lang="en-US" altLang="zh-CN" dirty="0"/>
+              <a:t>);</a:t>
+            </a:r>
+          </a:p>
+          <a:p>
+            <a:endParaRPr lang="en-US" altLang="zh-CN" dirty="0"/>
+          </a:p>
+          <a:p>
+            <a:r>
+              <a:rPr lang="en-US" altLang="zh-CN" dirty="0"/>
+              <a:t>PxVehicleDrive4W* vehDrive4W = PxVehicleDrive4W::allocate(</a:t>
+            </a:r>
+            <a:r>
+              <a:rPr lang="en-US" altLang="zh-CN" dirty="0" err="1"/>
+              <a:t>numWheels</a:t>
+            </a:r>
+            <a:r>
+              <a:rPr lang="en-US" altLang="zh-CN" dirty="0"/>
+              <a:t>);</a:t>
+            </a:r>
+          </a:p>
+          <a:p>
+            <a:r>
+              <a:rPr lang="en-US" altLang="zh-CN" dirty="0"/>
+              <a:t>vehDrive4W-&gt;setup(physics, veh4WActor, *</a:t>
+            </a:r>
+            <a:r>
+              <a:rPr lang="en-US" altLang="zh-CN" dirty="0" err="1"/>
+              <a:t>wheelsSimData</a:t>
+            </a:r>
+            <a:r>
+              <a:rPr lang="en-US" altLang="zh-CN" dirty="0"/>
+              <a:t>, </a:t>
+            </a:r>
+            <a:r>
+              <a:rPr lang="en-US" altLang="zh-CN" dirty="0" err="1"/>
+              <a:t>driveSimData</a:t>
+            </a:r>
+            <a:r>
+              <a:rPr lang="en-US" altLang="zh-CN" dirty="0"/>
+              <a:t>, </a:t>
+            </a:r>
+            <a:r>
+              <a:rPr lang="en-US" altLang="zh-CN" dirty="0" err="1"/>
+              <a:t>numWheels</a:t>
+            </a:r>
+            <a:r>
+              <a:rPr lang="en-US" altLang="zh-CN" dirty="0"/>
+              <a:t> - 4);</a:t>
+            </a:r>
+          </a:p>
+          <a:p>
+            <a:r>
+              <a:rPr lang="en-US" altLang="zh-CN" dirty="0" err="1"/>
+              <a:t>wheelsSimData</a:t>
+            </a:r>
+            <a:r>
+              <a:rPr lang="en-US" altLang="zh-CN" dirty="0"/>
+              <a:t>-&gt;free();</a:t>
+            </a:r>
+          </a:p>
+        </p:txBody>
+      </p:sp>
+    </p:spTree>
+    <p:extLst>
+      <p:ext uri="{BB962C8B-B14F-4D97-AF65-F5344CB8AC3E}">
+        <p14:creationId xmlns:p14="http://schemas.microsoft.com/office/powerpoint/2010/main" val="20247436"/>
+      </p:ext>
+    </p:extLst>
+  </p:cSld>
+  <p:clrMapOvr>
+    <a:masterClrMapping/>
+  </p:clrMapOvr>
+</p:sld>
+</file>
+
+<file path=ppt/slides/slide12.xml><?xml version="1.0" encoding="utf-8"?>
+<p:sld xmlns:a="http://schemas.openxmlformats.org/drawingml/2006/main" xmlns:r="http://schemas.openxmlformats.org/officeDocument/2006/relationships" xmlns:p="http://schemas.openxmlformats.org/presentationml/2006/main">
+  <p:cSld>
+    <p:spTree>
+      <p:nvGrpSpPr>
+        <p:cNvPr id="1" name=""/>
+        <p:cNvGrpSpPr/>
+        <p:nvPr/>
+      </p:nvGrpSpPr>
+      <p:grpSpPr>
+        <a:xfrm>
+          <a:off x="0" y="0"/>
+          <a:ext cx="0" cy="0"/>
+          <a:chOff x="0" y="0"/>
+          <a:chExt cx="0" cy="0"/>
+        </a:xfrm>
+      </p:grpSpPr>
+      <p:sp>
+        <p:nvSpPr>
+          <p:cNvPr id="2" name="标题 1"/>
+          <p:cNvSpPr>
+            <a:spLocks noGrp="1"/>
+          </p:cNvSpPr>
+          <p:nvPr>
+            <p:ph type="title"/>
+          </p:nvPr>
+        </p:nvSpPr>
+        <p:spPr/>
+        <p:txBody>
+          <a:bodyPr/>
+          <a:lstStyle/>
+          <a:p>
+            <a:r>
+              <a:rPr lang="en-US" altLang="zh-CN" b="1" dirty="0"/>
+              <a:t>Introduction To Vehicle Update</a:t>
+            </a:r>
+            <a:endParaRPr lang="zh-CN" altLang="en-US" dirty="0"/>
+          </a:p>
+        </p:txBody>
+      </p:sp>
+      <p:sp>
+        <p:nvSpPr>
+          <p:cNvPr id="3" name="内容占位符 2"/>
+          <p:cNvSpPr>
+            <a:spLocks noGrp="1"/>
+          </p:cNvSpPr>
+          <p:nvPr>
+            <p:ph idx="1"/>
+          </p:nvPr>
+        </p:nvSpPr>
+        <p:spPr/>
+        <p:txBody>
+          <a:bodyPr>
+            <a:normAutofit fontScale="92500"/>
+          </a:bodyPr>
+          <a:lstStyle/>
+          <a:p>
+            <a:r>
+              <a:rPr lang="en-US" altLang="zh-CN" dirty="0"/>
+              <a:t>The PhysX Vehicles SDK utilizes batched scene queries to query the geometry under each tire. A more detailed discussion of PhysX batched scene queries can be found in Section </a:t>
+            </a:r>
+            <a:r>
+              <a:rPr lang="en-US" altLang="zh-CN" i="1" dirty="0">
+                <a:hlinkClick r:id="rId2" action="ppaction://hlinkfile"/>
+              </a:rPr>
+              <a:t>Batched queries</a:t>
+            </a:r>
+            <a:r>
+              <a:rPr lang="en-US" altLang="zh-CN" dirty="0" smtClean="0"/>
+              <a:t>.</a:t>
+            </a:r>
+          </a:p>
+          <a:p>
+            <a:r>
+              <a:rPr lang="en-US" altLang="zh-CN" dirty="0"/>
+              <a:t>The following pseudo-code initializes a batched scene query with buffers large enough for a single vehicle with four wheels:</a:t>
+            </a:r>
+          </a:p>
+          <a:p>
+            <a:endParaRPr lang="en-US" altLang="zh-CN" dirty="0"/>
+          </a:p>
+          <a:p>
+            <a:endParaRPr lang="zh-CN" altLang="en-US" dirty="0"/>
+          </a:p>
+        </p:txBody>
+      </p:sp>
+    </p:spTree>
+    <p:extLst>
+      <p:ext uri="{BB962C8B-B14F-4D97-AF65-F5344CB8AC3E}">
+        <p14:creationId xmlns:p14="http://schemas.microsoft.com/office/powerpoint/2010/main" val="1411416262"/>
+      </p:ext>
+    </p:extLst>
+  </p:cSld>
+  <p:clrMapOvr>
+    <a:masterClrMapping/>
+  </p:clrMapOvr>
+</p:sld>
+</file>
+
+<file path=ppt/slides/slide13.xml><?xml version="1.0" encoding="utf-8"?>
+<p:sld xmlns:a="http://schemas.openxmlformats.org/drawingml/2006/main" xmlns:r="http://schemas.openxmlformats.org/officeDocument/2006/relationships" xmlns:p="http://schemas.openxmlformats.org/presentationml/2006/main">
+  <p:cSld>
+    <p:spTree>
+      <p:nvGrpSpPr>
+        <p:cNvPr id="1" name=""/>
+        <p:cNvGrpSpPr/>
+        <p:nvPr/>
+      </p:nvGrpSpPr>
+      <p:grpSpPr>
+        <a:xfrm>
+          <a:off x="0" y="0"/>
+          <a:ext cx="0" cy="0"/>
+          <a:chOff x="0" y="0"/>
+          <a:chExt cx="0" cy="0"/>
+        </a:xfrm>
+      </p:grpSpPr>
+      <p:sp>
+        <p:nvSpPr>
+          <p:cNvPr id="2" name="标题 1"/>
+          <p:cNvSpPr>
+            <a:spLocks noGrp="1"/>
+          </p:cNvSpPr>
+          <p:nvPr>
+            <p:ph type="title"/>
+          </p:nvPr>
+        </p:nvSpPr>
+        <p:spPr/>
+        <p:txBody>
+          <a:bodyPr/>
+          <a:lstStyle/>
+          <a:p>
+            <a:endParaRPr lang="zh-CN" altLang="en-US"/>
+          </a:p>
+        </p:txBody>
+      </p:sp>
+      <p:sp>
+        <p:nvSpPr>
+          <p:cNvPr id="3" name="内容占位符 2"/>
+          <p:cNvSpPr>
+            <a:spLocks noGrp="1"/>
+          </p:cNvSpPr>
+          <p:nvPr>
+            <p:ph idx="1"/>
+          </p:nvPr>
+        </p:nvSpPr>
+        <p:spPr/>
+        <p:txBody>
+          <a:bodyPr/>
+          <a:lstStyle/>
+          <a:p>
+            <a:endParaRPr lang="zh-CN" altLang="en-US" dirty="0"/>
+          </a:p>
+        </p:txBody>
+      </p:sp>
+      <p:sp>
+        <p:nvSpPr>
+          <p:cNvPr id="4" name="矩形 3"/>
+          <p:cNvSpPr/>
+          <p:nvPr/>
+        </p:nvSpPr>
+        <p:spPr>
+          <a:xfrm>
+            <a:off x="683568" y="1203598"/>
+            <a:ext cx="8928992" cy="2308324"/>
+          </a:xfrm>
+          <a:prstGeom prst="rect">
+            <a:avLst/>
+          </a:prstGeom>
+        </p:spPr>
+        <p:txBody>
+          <a:bodyPr wrap="square">
+            <a:spAutoFit/>
+          </a:bodyPr>
+          <a:lstStyle/>
+          <a:p>
+            <a:r>
+              <a:rPr lang="en-US" altLang="zh-CN" dirty="0" err="1"/>
+              <a:t>PxRaycastQueryResult</a:t>
+            </a:r>
+            <a:r>
+              <a:rPr lang="en-US" altLang="zh-CN" dirty="0"/>
+              <a:t> </a:t>
+            </a:r>
+            <a:r>
+              <a:rPr lang="en-US" altLang="zh-CN" dirty="0" err="1"/>
+              <a:t>sqResults</a:t>
+            </a:r>
+            <a:r>
+              <a:rPr lang="en-US" altLang="zh-CN" dirty="0"/>
+              <a:t>[4];</a:t>
+            </a:r>
+          </a:p>
+          <a:p>
+            <a:r>
+              <a:rPr lang="en-US" altLang="zh-CN" dirty="0" err="1"/>
+              <a:t>PxRaycastHit</a:t>
+            </a:r>
+            <a:r>
+              <a:rPr lang="en-US" altLang="zh-CN" dirty="0"/>
+              <a:t> </a:t>
+            </a:r>
+            <a:r>
+              <a:rPr lang="en-US" altLang="zh-CN" dirty="0" err="1"/>
+              <a:t>sqHitBuffer</a:t>
+            </a:r>
+            <a:r>
+              <a:rPr lang="en-US" altLang="zh-CN" dirty="0"/>
+              <a:t>[4];</a:t>
+            </a:r>
+          </a:p>
+          <a:p>
+            <a:r>
+              <a:rPr lang="en-US" altLang="zh-CN" dirty="0" err="1"/>
+              <a:t>PxBatchQueryDesc</a:t>
+            </a:r>
+            <a:r>
+              <a:rPr lang="en-US" altLang="zh-CN" dirty="0"/>
+              <a:t> </a:t>
+            </a:r>
+            <a:r>
+              <a:rPr lang="en-US" altLang="zh-CN" dirty="0" err="1"/>
+              <a:t>sqDesc</a:t>
+            </a:r>
+            <a:r>
+              <a:rPr lang="en-US" altLang="zh-CN" dirty="0"/>
+              <a:t>(4, 0, 0);</a:t>
+            </a:r>
+          </a:p>
+          <a:p>
+            <a:r>
+              <a:rPr lang="en-US" altLang="zh-CN" dirty="0" err="1"/>
+              <a:t>sqDesc.queryMemory.userRaycastResultBuffer</a:t>
+            </a:r>
+            <a:r>
+              <a:rPr lang="en-US" altLang="zh-CN" dirty="0"/>
+              <a:t> = </a:t>
+            </a:r>
+            <a:r>
+              <a:rPr lang="en-US" altLang="zh-CN" dirty="0" err="1"/>
+              <a:t>sqResults</a:t>
+            </a:r>
+            <a:r>
+              <a:rPr lang="en-US" altLang="zh-CN" dirty="0"/>
+              <a:t>;</a:t>
+            </a:r>
+          </a:p>
+          <a:p>
+            <a:r>
+              <a:rPr lang="en-US" altLang="zh-CN" dirty="0" err="1"/>
+              <a:t>sqDesc.queryMemory.userRaycastTouchBuffer</a:t>
+            </a:r>
+            <a:r>
+              <a:rPr lang="en-US" altLang="zh-CN" dirty="0"/>
+              <a:t> = </a:t>
+            </a:r>
+            <a:r>
+              <a:rPr lang="en-US" altLang="zh-CN" dirty="0" err="1"/>
+              <a:t>sqHitBuffer</a:t>
+            </a:r>
+            <a:r>
+              <a:rPr lang="en-US" altLang="zh-CN" dirty="0"/>
+              <a:t>;</a:t>
+            </a:r>
+          </a:p>
+          <a:p>
+            <a:r>
+              <a:rPr lang="en-US" altLang="zh-CN" dirty="0" err="1"/>
+              <a:t>sqDesc.queryMemory.raycastTouchBufferSize</a:t>
+            </a:r>
+            <a:r>
+              <a:rPr lang="en-US" altLang="zh-CN" dirty="0"/>
+              <a:t> = 4;</a:t>
+            </a:r>
+          </a:p>
+          <a:p>
+            <a:r>
+              <a:rPr lang="en-US" altLang="zh-CN" dirty="0" err="1"/>
+              <a:t>sqDesc.preFilterShader</a:t>
+            </a:r>
+            <a:r>
+              <a:rPr lang="en-US" altLang="zh-CN" dirty="0"/>
+              <a:t> = </a:t>
+            </a:r>
+            <a:r>
+              <a:rPr lang="en-US" altLang="zh-CN" dirty="0" err="1"/>
+              <a:t>myFilterShader</a:t>
+            </a:r>
+            <a:r>
+              <a:rPr lang="en-US" altLang="zh-CN" dirty="0"/>
+              <a:t>;</a:t>
+            </a:r>
+          </a:p>
+          <a:p>
+            <a:r>
+              <a:rPr lang="en-US" altLang="zh-CN" dirty="0" err="1"/>
+              <a:t>PxBatchQuery</a:t>
+            </a:r>
+            <a:r>
+              <a:rPr lang="en-US" altLang="zh-CN" dirty="0"/>
+              <a:t>* </a:t>
+            </a:r>
+            <a:r>
+              <a:rPr lang="en-US" altLang="zh-CN" dirty="0" err="1"/>
+              <a:t>batchQuery</a:t>
+            </a:r>
+            <a:r>
+              <a:rPr lang="en-US" altLang="zh-CN" dirty="0"/>
+              <a:t> = scene-&gt;</a:t>
+            </a:r>
+            <a:r>
+              <a:rPr lang="en-US" altLang="zh-CN" dirty="0" err="1"/>
+              <a:t>createBatchQuery</a:t>
+            </a:r>
+            <a:r>
+              <a:rPr lang="en-US" altLang="zh-CN" dirty="0"/>
+              <a:t>(</a:t>
+            </a:r>
+            <a:r>
+              <a:rPr lang="en-US" altLang="zh-CN" dirty="0" err="1"/>
+              <a:t>sqDesc</a:t>
+            </a:r>
+            <a:r>
+              <a:rPr lang="en-US" altLang="zh-CN" dirty="0"/>
+              <a:t>);</a:t>
+            </a:r>
+          </a:p>
+        </p:txBody>
+      </p:sp>
+    </p:spTree>
+    <p:extLst>
+      <p:ext uri="{BB962C8B-B14F-4D97-AF65-F5344CB8AC3E}">
+        <p14:creationId xmlns:p14="http://schemas.microsoft.com/office/powerpoint/2010/main" val="1238077777"/>
+      </p:ext>
+    </p:extLst>
+  </p:cSld>
+  <p:clrMapOvr>
+    <a:masterClrMapping/>
+  </p:clrMapOvr>
+</p:sld>
+</file>
+
+<file path=ppt/slides/slide14.xml><?xml version="1.0" encoding="utf-8"?>
+<p:sld xmlns:a="http://schemas.openxmlformats.org/drawingml/2006/main" xmlns:r="http://schemas.openxmlformats.org/officeDocument/2006/relationships" xmlns:p="http://schemas.openxmlformats.org/presentationml/2006/main">
+  <p:cSld>
+    <p:spTree>
+      <p:nvGrpSpPr>
+        <p:cNvPr id="1" name=""/>
+        <p:cNvGrpSpPr/>
+        <p:nvPr/>
+      </p:nvGrpSpPr>
+      <p:grpSpPr>
+        <a:xfrm>
+          <a:off x="0" y="0"/>
+          <a:ext cx="0" cy="0"/>
+          <a:chOff x="0" y="0"/>
+          <a:chExt cx="0" cy="0"/>
+        </a:xfrm>
+      </p:grpSpPr>
+      <p:sp>
+        <p:nvSpPr>
+          <p:cNvPr id="2" name="标题 1"/>
+          <p:cNvSpPr>
+            <a:spLocks noGrp="1"/>
+          </p:cNvSpPr>
+          <p:nvPr>
+            <p:ph type="title"/>
+          </p:nvPr>
+        </p:nvSpPr>
+        <p:spPr/>
+        <p:txBody>
+          <a:bodyPr/>
+          <a:lstStyle/>
+          <a:p>
+            <a:endParaRPr lang="zh-CN" altLang="en-US"/>
+          </a:p>
+        </p:txBody>
+      </p:sp>
+      <p:sp>
+        <p:nvSpPr>
+          <p:cNvPr id="3" name="内容占位符 2"/>
+          <p:cNvSpPr>
+            <a:spLocks noGrp="1"/>
+          </p:cNvSpPr>
+          <p:nvPr>
+            <p:ph idx="1"/>
+          </p:nvPr>
+        </p:nvSpPr>
+        <p:spPr/>
+        <p:txBody>
+          <a:bodyPr>
+            <a:normAutofit/>
+          </a:bodyPr>
+          <a:lstStyle/>
+          <a:p>
+            <a:r>
+              <a:rPr lang="en-US" altLang="zh-CN" dirty="0"/>
+              <a:t>PhysX vehicles make use of scene query filter </a:t>
+            </a:r>
+            <a:r>
+              <a:rPr lang="en-US" altLang="zh-CN" dirty="0" err="1"/>
+              <a:t>shaders</a:t>
+            </a:r>
+            <a:r>
+              <a:rPr lang="en-US" altLang="zh-CN" dirty="0"/>
+              <a:t> to eliminate intersections with the vehicle issuing the </a:t>
+            </a:r>
+            <a:r>
+              <a:rPr lang="en-US" altLang="zh-CN" dirty="0" err="1"/>
+              <a:t>raycast</a:t>
+            </a:r>
+            <a:r>
+              <a:rPr lang="en-US" altLang="zh-CN" dirty="0"/>
+              <a:t> and with any geometry that is not to be considered as a drivable </a:t>
+            </a:r>
+            <a:r>
+              <a:rPr lang="en-US" altLang="zh-CN" dirty="0" smtClean="0"/>
+              <a:t>surface</a:t>
+            </a:r>
+            <a:endParaRPr lang="zh-CN" altLang="en-US" dirty="0"/>
+          </a:p>
+        </p:txBody>
+      </p:sp>
+    </p:spTree>
+    <p:extLst>
+      <p:ext uri="{BB962C8B-B14F-4D97-AF65-F5344CB8AC3E}">
+        <p14:creationId xmlns:p14="http://schemas.microsoft.com/office/powerpoint/2010/main" val="2462987182"/>
+      </p:ext>
+    </p:extLst>
+  </p:cSld>
+  <p:clrMapOvr>
+    <a:masterClrMapping/>
+  </p:clrMapOvr>
+</p:sld>
+</file>
+
+<file path=ppt/slides/slide15.xml><?xml version="1.0" encoding="utf-8"?>
+<p:sld xmlns:a="http://schemas.openxmlformats.org/drawingml/2006/main" xmlns:r="http://schemas.openxmlformats.org/officeDocument/2006/relationships" xmlns:p="http://schemas.openxmlformats.org/presentationml/2006/main">
+  <p:cSld>
+    <p:spTree>
+      <p:nvGrpSpPr>
+        <p:cNvPr id="1" name=""/>
+        <p:cNvGrpSpPr/>
+        <p:nvPr/>
+      </p:nvGrpSpPr>
+      <p:grpSpPr>
+        <a:xfrm>
+          <a:off x="0" y="0"/>
+          <a:ext cx="0" cy="0"/>
+          <a:chOff x="0" y="0"/>
+          <a:chExt cx="0" cy="0"/>
+        </a:xfrm>
+      </p:grpSpPr>
+      <p:sp>
+        <p:nvSpPr>
+          <p:cNvPr id="2" name="标题 1"/>
+          <p:cNvSpPr>
+            <a:spLocks noGrp="1"/>
+          </p:cNvSpPr>
+          <p:nvPr>
+            <p:ph type="title"/>
+          </p:nvPr>
+        </p:nvSpPr>
+        <p:spPr/>
+        <p:txBody>
+          <a:bodyPr/>
+          <a:lstStyle/>
+          <a:p>
+            <a:endParaRPr lang="zh-CN" altLang="en-US"/>
+          </a:p>
+        </p:txBody>
+      </p:sp>
+      <p:sp>
+        <p:nvSpPr>
+          <p:cNvPr id="3" name="内容占位符 2"/>
+          <p:cNvSpPr>
+            <a:spLocks noGrp="1"/>
+          </p:cNvSpPr>
+          <p:nvPr>
+            <p:ph idx="1"/>
+          </p:nvPr>
+        </p:nvSpPr>
+        <p:spPr/>
+        <p:txBody>
+          <a:bodyPr/>
+          <a:lstStyle/>
+          <a:p>
+            <a:r>
+              <a:rPr lang="en-US" altLang="zh-CN" dirty="0"/>
+              <a:t>For a batch containing just a single 4-wheeled vehicle the suspension </a:t>
+            </a:r>
+            <a:r>
+              <a:rPr lang="en-US" altLang="zh-CN" dirty="0" err="1"/>
+              <a:t>raycasts</a:t>
+            </a:r>
+            <a:r>
+              <a:rPr lang="en-US" altLang="zh-CN" dirty="0"/>
+              <a:t> can be performed with the following pseudo-code:</a:t>
+            </a:r>
+          </a:p>
+          <a:p>
+            <a:endParaRPr lang="zh-CN" altLang="en-US" dirty="0"/>
+          </a:p>
+        </p:txBody>
+      </p:sp>
+      <p:sp>
+        <p:nvSpPr>
+          <p:cNvPr id="4" name="矩形 3"/>
+          <p:cNvSpPr/>
+          <p:nvPr/>
+        </p:nvSpPr>
+        <p:spPr>
+          <a:xfrm>
+            <a:off x="1187624" y="3219822"/>
+            <a:ext cx="6750496" cy="646331"/>
+          </a:xfrm>
+          <a:prstGeom prst="rect">
+            <a:avLst/>
+          </a:prstGeom>
+        </p:spPr>
+        <p:txBody>
+          <a:bodyPr wrap="square">
+            <a:spAutoFit/>
+          </a:bodyPr>
+          <a:lstStyle/>
+          <a:p>
+            <a:r>
+              <a:rPr lang="en-US" altLang="zh-CN" dirty="0" err="1"/>
+              <a:t>PxVehicleWheels</a:t>
+            </a:r>
+            <a:r>
+              <a:rPr lang="en-US" altLang="zh-CN" dirty="0"/>
+              <a:t>* vehicles[1] = {</a:t>
+            </a:r>
+            <a:r>
+              <a:rPr lang="en-US" altLang="zh-CN" dirty="0" err="1"/>
+              <a:t>myVehicle</a:t>
+            </a:r>
+            <a:r>
+              <a:rPr lang="en-US" altLang="zh-CN" dirty="0"/>
+              <a:t>};</a:t>
+            </a:r>
+          </a:p>
+          <a:p>
+            <a:r>
+              <a:rPr lang="en-US" altLang="zh-CN" dirty="0" err="1"/>
+              <a:t>PxVehicleSuspensionRaycasts</a:t>
+            </a:r>
+            <a:r>
+              <a:rPr lang="en-US" altLang="zh-CN" dirty="0"/>
+              <a:t>(</a:t>
+            </a:r>
+            <a:r>
+              <a:rPr lang="en-US" altLang="zh-CN" dirty="0" err="1"/>
+              <a:t>batchQuery</a:t>
+            </a:r>
+            <a:r>
+              <a:rPr lang="en-US" altLang="zh-CN" dirty="0"/>
+              <a:t>, 1, vehicles, 4, </a:t>
+            </a:r>
+            <a:r>
+              <a:rPr lang="en-US" altLang="zh-CN" dirty="0" err="1"/>
+              <a:t>sqResults</a:t>
+            </a:r>
+            <a:r>
+              <a:rPr lang="en-US" altLang="zh-CN" dirty="0"/>
+              <a:t>);</a:t>
+            </a:r>
+          </a:p>
+        </p:txBody>
+      </p:sp>
+    </p:spTree>
+    <p:extLst>
+      <p:ext uri="{BB962C8B-B14F-4D97-AF65-F5344CB8AC3E}">
+        <p14:creationId xmlns:p14="http://schemas.microsoft.com/office/powerpoint/2010/main" val="577787623"/>
+      </p:ext>
+    </p:extLst>
+  </p:cSld>
+  <p:clrMapOvr>
+    <a:masterClrMapping/>
+  </p:clrMapOvr>
+</p:sld>
+</file>
+
+<file path=ppt/slides/slide16.xml><?xml version="1.0" encoding="utf-8"?>
+<p:sld xmlns:a="http://schemas.openxmlformats.org/drawingml/2006/main" xmlns:r="http://schemas.openxmlformats.org/officeDocument/2006/relationships" xmlns:p="http://schemas.openxmlformats.org/presentationml/2006/main">
+  <p:cSld>
+    <p:spTree>
+      <p:nvGrpSpPr>
+        <p:cNvPr id="1" name=""/>
+        <p:cNvGrpSpPr/>
+        <p:nvPr/>
+      </p:nvGrpSpPr>
+      <p:grpSpPr>
+        <a:xfrm>
+          <a:off x="0" y="0"/>
+          <a:ext cx="0" cy="0"/>
+          <a:chOff x="0" y="0"/>
+          <a:chExt cx="0" cy="0"/>
+        </a:xfrm>
+      </p:grpSpPr>
+      <p:sp>
+        <p:nvSpPr>
+          <p:cNvPr id="2" name="标题 1"/>
+          <p:cNvSpPr>
+            <a:spLocks noGrp="1"/>
+          </p:cNvSpPr>
+          <p:nvPr>
+            <p:ph type="title"/>
+          </p:nvPr>
+        </p:nvSpPr>
+        <p:spPr/>
+        <p:txBody>
+          <a:bodyPr/>
+          <a:lstStyle/>
+          <a:p>
+            <a:endParaRPr lang="zh-CN" altLang="en-US"/>
+          </a:p>
+        </p:txBody>
+      </p:sp>
+      <p:sp>
+        <p:nvSpPr>
+          <p:cNvPr id="3" name="内容占位符 2"/>
+          <p:cNvSpPr>
+            <a:spLocks noGrp="1"/>
+          </p:cNvSpPr>
+          <p:nvPr>
+            <p:ph idx="1"/>
+          </p:nvPr>
+        </p:nvSpPr>
+        <p:spPr>
+          <a:xfrm>
+            <a:off x="457200" y="1200150"/>
+            <a:ext cx="8229600" cy="3819871"/>
+          </a:xfrm>
+        </p:spPr>
+        <p:txBody>
+          <a:bodyPr>
+            <a:normAutofit fontScale="92500" lnSpcReduction="20000"/>
+          </a:bodyPr>
+          <a:lstStyle/>
+          <a:p>
+            <a:r>
+              <a:rPr lang="en-US" altLang="zh-CN" dirty="0"/>
+              <a:t>The vehicles are updated with the following function call</a:t>
+            </a:r>
+            <a:r>
+              <a:rPr lang="en-US" altLang="zh-CN" dirty="0" smtClean="0"/>
+              <a:t>:</a:t>
+            </a:r>
+          </a:p>
+          <a:p>
+            <a:endParaRPr lang="en-US" altLang="zh-CN" dirty="0"/>
+          </a:p>
+          <a:p>
+            <a:r>
+              <a:rPr lang="en-US" altLang="zh-CN" dirty="0"/>
+              <a:t>The function </a:t>
+            </a:r>
+            <a:r>
+              <a:rPr lang="en-US" altLang="zh-CN" dirty="0" err="1"/>
+              <a:t>PxVehicleUpdates</a:t>
+            </a:r>
+            <a:r>
+              <a:rPr lang="en-US" altLang="zh-CN" dirty="0"/>
+              <a:t> updates the internal dynamics of each vehicle, poses the wheel shapes of the vehicle's actor and applies either velocity or acceleration changes to the actor, depending on the update mode chosen with </a:t>
+            </a:r>
+            <a:r>
+              <a:rPr lang="en-US" altLang="zh-CN" dirty="0" err="1"/>
+              <a:t>PxVehicleSetUpdateMode</a:t>
+            </a:r>
+            <a:endParaRPr lang="zh-CN" altLang="en-US" dirty="0"/>
+          </a:p>
+        </p:txBody>
+      </p:sp>
+      <p:sp>
+        <p:nvSpPr>
+          <p:cNvPr id="5" name="矩形 4"/>
+          <p:cNvSpPr/>
+          <p:nvPr/>
+        </p:nvSpPr>
+        <p:spPr>
+          <a:xfrm>
+            <a:off x="971600" y="1995686"/>
+            <a:ext cx="6462464" cy="369332"/>
+          </a:xfrm>
+          <a:prstGeom prst="rect">
+            <a:avLst/>
+          </a:prstGeom>
+        </p:spPr>
+        <p:txBody>
+          <a:bodyPr wrap="square">
+            <a:spAutoFit/>
+          </a:bodyPr>
+          <a:lstStyle/>
+          <a:p>
+            <a:r>
+              <a:rPr lang="en-US" altLang="zh-CN" dirty="0" err="1"/>
+              <a:t>PxVehicleUpdates</a:t>
+            </a:r>
+            <a:r>
+              <a:rPr lang="en-US" altLang="zh-CN" dirty="0"/>
+              <a:t>(</a:t>
+            </a:r>
+            <a:r>
+              <a:rPr lang="en-US" altLang="zh-CN" dirty="0" err="1"/>
+              <a:t>timestep</a:t>
+            </a:r>
+            <a:r>
+              <a:rPr lang="en-US" altLang="zh-CN" dirty="0"/>
+              <a:t>, gravity, </a:t>
+            </a:r>
+            <a:r>
+              <a:rPr lang="en-US" altLang="zh-CN" dirty="0" err="1"/>
+              <a:t>frictionPairs</a:t>
+            </a:r>
+            <a:r>
+              <a:rPr lang="en-US" altLang="zh-CN" dirty="0"/>
+              <a:t>, 1, vehicles, NULL);</a:t>
+            </a:r>
+          </a:p>
+        </p:txBody>
+      </p:sp>
+    </p:spTree>
+    <p:extLst>
+      <p:ext uri="{BB962C8B-B14F-4D97-AF65-F5344CB8AC3E}">
+        <p14:creationId xmlns:p14="http://schemas.microsoft.com/office/powerpoint/2010/main" val="2032732174"/>
+      </p:ext>
+    </p:extLst>
+  </p:cSld>
+  <p:clrMapOvr>
+    <a:masterClrMapping/>
+  </p:clrMapOvr>
+</p:sld>
+</file>
+
+<file path=ppt/slides/slide17.xml><?xml version="1.0" encoding="utf-8"?>
+<p:sld xmlns:a="http://schemas.openxmlformats.org/drawingml/2006/main" xmlns:r="http://schemas.openxmlformats.org/officeDocument/2006/relationships" xmlns:p="http://schemas.openxmlformats.org/presentationml/2006/main">
+  <p:cSld>
+    <p:spTree>
+      <p:nvGrpSpPr>
+        <p:cNvPr id="1" name=""/>
+        <p:cNvGrpSpPr/>
+        <p:nvPr/>
+      </p:nvGrpSpPr>
+      <p:grpSpPr>
+        <a:xfrm>
+          <a:off x="0" y="0"/>
+          <a:ext cx="0" cy="0"/>
+          <a:chOff x="0" y="0"/>
+          <a:chExt cx="0" cy="0"/>
+        </a:xfrm>
+      </p:grpSpPr>
+      <p:sp>
+        <p:nvSpPr>
+          <p:cNvPr id="2" name="标题 1"/>
+          <p:cNvSpPr>
+            <a:spLocks noGrp="1"/>
+          </p:cNvSpPr>
+          <p:nvPr>
+            <p:ph type="title"/>
+          </p:nvPr>
+        </p:nvSpPr>
+        <p:spPr/>
+        <p:txBody>
+          <a:bodyPr/>
+          <a:lstStyle/>
+          <a:p>
+            <a:r>
+              <a:rPr lang="en-US" altLang="zh-CN" dirty="0" smtClean="0"/>
+              <a:t>Vehicle in Unity</a:t>
+            </a:r>
+            <a:endParaRPr lang="zh-CN" altLang="en-US" dirty="0"/>
+          </a:p>
+        </p:txBody>
+      </p:sp>
+      <p:sp>
+        <p:nvSpPr>
+          <p:cNvPr id="3" name="内容占位符 2"/>
+          <p:cNvSpPr>
+            <a:spLocks noGrp="1"/>
+          </p:cNvSpPr>
+          <p:nvPr>
+            <p:ph idx="1"/>
+          </p:nvPr>
+        </p:nvSpPr>
+        <p:spPr/>
+        <p:txBody>
+          <a:bodyPr/>
+          <a:lstStyle/>
+          <a:p>
+            <a:r>
+              <a:rPr lang="en-US" altLang="zh-CN" dirty="0">
+                <a:hlinkClick r:id="rId2"/>
+              </a:rPr>
+              <a:t>https://www.assetstore.unity3d.com/en/#!/</a:t>
+            </a:r>
+            <a:r>
+              <a:rPr lang="en-US" altLang="zh-CN" dirty="0" smtClean="0">
+                <a:hlinkClick r:id="rId2"/>
+              </a:rPr>
+              <a:t>content/83660</a:t>
+            </a:r>
+            <a:endParaRPr lang="en-US" altLang="zh-CN" dirty="0" smtClean="0"/>
+          </a:p>
+          <a:p>
+            <a:endParaRPr lang="zh-CN" altLang="en-US" dirty="0"/>
+          </a:p>
+        </p:txBody>
+      </p:sp>
+      <p:pic>
+        <p:nvPicPr>
+          <p:cNvPr id="4098" name="Picture 2"/>
+          <p:cNvPicPr>
+            <a:picLocks noChangeAspect="1" noChangeArrowheads="1"/>
+          </p:cNvPicPr>
+          <p:nvPr/>
+        </p:nvPicPr>
+        <p:blipFill>
+          <a:blip r:embed="rId3" cstate="print">
+            <a:extLst>
+              <a:ext uri="{28A0092B-C50C-407E-A947-70E740481C1C}">
+                <a14:useLocalDpi xmlns:a14="http://schemas.microsoft.com/office/drawing/2010/main" val="0"/>
+              </a:ext>
+            </a:extLst>
+          </a:blip>
+          <a:srcRect/>
+          <a:stretch>
+            <a:fillRect/>
+          </a:stretch>
+        </p:blipFill>
+        <p:spPr bwMode="auto">
+          <a:xfrm>
+            <a:off x="2771800" y="2355726"/>
+            <a:ext cx="3656436" cy="2672185"/>
+          </a:xfrm>
+          <a:prstGeom prst="rect">
+            <a:avLst/>
+          </a:prstGeom>
+          <a:noFill/>
+          <a:ln>
+            <a:noFill/>
+          </a:ln>
+          <a:extLst>
+            <a:ext uri="{909E8E84-426E-40DD-AFC4-6F175D3DCCD1}">
+              <a14:hiddenFill xmlns:a14="http://schemas.microsoft.com/office/drawing/2010/main">
+                <a:solidFill>
+                  <a:schemeClr val="accent1"/>
+                </a:solidFill>
+              </a14:hiddenFill>
+            </a:ext>
+            <a:ext uri="{91240B29-F687-4F45-9708-019B960494DF}">
+              <a14:hiddenLine xmlns:a14="http://schemas.microsoft.com/office/drawing/2010/main" w="9525">
+                <a:solidFill>
+                  <a:schemeClr val="tx1"/>
+                </a:solidFill>
+                <a:miter lim="800000"/>
+                <a:headEnd/>
+                <a:tailEnd/>
+              </a14:hiddenLine>
+            </a:ext>
+          </a:extLst>
+        </p:spPr>
+      </p:pic>
+    </p:spTree>
+    <p:extLst>
+      <p:ext uri="{BB962C8B-B14F-4D97-AF65-F5344CB8AC3E}">
+        <p14:creationId xmlns:p14="http://schemas.microsoft.com/office/powerpoint/2010/main" val="2848820540"/>
+      </p:ext>
+    </p:extLst>
+  </p:cSld>
+  <p:clrMapOvr>
+    <a:masterClrMapping/>
+  </p:clrMapOvr>
+</p:sld>
+</file>
+
 <file path=ppt/slides/slide2.xml><?xml version="1.0" encoding="utf-8"?>
 <p:sld xmlns:a="http://schemas.openxmlformats.org/drawingml/2006/main" xmlns:r="http://schemas.openxmlformats.org/officeDocument/2006/relationships" xmlns:p="http://schemas.openxmlformats.org/presentationml/2006/main">
   <p:cSld>
@@ -4687,14 +6062,10 @@
             </a:r>
             <a:r>
               <a:rPr lang="en-US" altLang="zh-CN" dirty="0"/>
-              <a:t> top of the tire at maximum compression and casts downwards along the direction of suspension travel to a position just below the bottom of the tire at </a:t>
-            </a:r>
-            <a:r>
-              <a:rPr lang="en-US" altLang="zh-CN"/>
-              <a:t>maximum </a:t>
-            </a:r>
-            <a:r>
-              <a:rPr lang="en-US" altLang="zh-CN" smtClean="0"/>
+              <a:t> top of the tire at maximum compression and casts downwards along the direction of suspension travel to a position just below the bottom of the tire at maximum </a:t>
+            </a:r>
+            <a:r>
+              <a:rPr lang="en-US" altLang="zh-CN" dirty="0" smtClean="0"/>
               <a:t>droop</a:t>
             </a:r>
             <a:endParaRPr lang="zh-CN" altLang="en-US" dirty="0"/>
@@ -4746,7 +6117,11 @@
           <a:bodyPr/>
           <a:lstStyle/>
           <a:p>
-            <a:endParaRPr lang="zh-CN" altLang="en-US"/>
+            <a:r>
+              <a:rPr lang="en-US" altLang="zh-CN" b="1" dirty="0"/>
+              <a:t>Vehicle SDK Initialization</a:t>
+            </a:r>
+            <a:endParaRPr lang="zh-CN" altLang="en-US" dirty="0"/>
           </a:p>
         </p:txBody>
       </p:sp>
@@ -4765,7 +6140,72 @@
           <a:bodyPr/>
           <a:lstStyle/>
           <a:p>
-            <a:endParaRPr lang="zh-CN" altLang="en-US"/>
+            <a:r>
+              <a:rPr lang="en-US" altLang="zh-CN" dirty="0"/>
+              <a:t>Before using the vehicle SDK it must first be initialized in order to set up a number of threshold values from various tolerance scales. This is as straightforward as calling the following function:</a:t>
+            </a:r>
+            <a:endParaRPr lang="zh-CN" altLang="en-US" dirty="0"/>
+          </a:p>
+        </p:txBody>
+      </p:sp>
+      <p:sp>
+        <p:nvSpPr>
+          <p:cNvPr id="4" name="矩形 3"/>
+          <p:cNvSpPr/>
+          <p:nvPr/>
+        </p:nvSpPr>
+        <p:spPr>
+          <a:xfrm>
+            <a:off x="611560" y="3867894"/>
+            <a:ext cx="6894512" cy="646331"/>
+          </a:xfrm>
+          <a:prstGeom prst="rect">
+            <a:avLst/>
+          </a:prstGeom>
+        </p:spPr>
+        <p:txBody>
+          <a:bodyPr wrap="square">
+            <a:spAutoFit/>
+          </a:bodyPr>
+          <a:lstStyle/>
+          <a:p>
+            <a:r>
+              <a:rPr lang="en-US" altLang="zh-CN" dirty="0"/>
+              <a:t>PX_C_EXPORT bool PX_CALL_CONV </a:t>
+            </a:r>
+            <a:r>
+              <a:rPr lang="en-US" altLang="zh-CN" dirty="0" err="1"/>
+              <a:t>PxInitVehicleSDK</a:t>
+            </a:r>
+            <a:r>
+              <a:rPr lang="en-US" altLang="zh-CN" dirty="0"/>
+              <a:t> (</a:t>
+            </a:r>
+            <a:r>
+              <a:rPr lang="en-US" altLang="zh-CN" dirty="0" err="1"/>
+              <a:t>PxPhysics</a:t>
+            </a:r>
+            <a:r>
+              <a:rPr lang="en-US" altLang="zh-CN" dirty="0"/>
+              <a:t>&amp; physics, </a:t>
+            </a:r>
+            <a:r>
+              <a:rPr lang="en-US" altLang="zh-CN" dirty="0" err="1"/>
+              <a:t>PxSerializationRegistry</a:t>
+            </a:r>
+            <a:r>
+              <a:rPr lang="en-US" altLang="zh-CN" dirty="0"/>
+              <a:t>* </a:t>
+            </a:r>
+            <a:r>
+              <a:rPr lang="en-US" altLang="zh-CN" dirty="0" err="1"/>
+              <a:t>serializationRegistry</a:t>
+            </a:r>
+            <a:r>
+              <a:rPr lang="en-US" altLang="zh-CN" dirty="0"/>
+              <a:t> = NULL); </a:t>
+            </a:r>
+            <a:endParaRPr lang="zh-CN" altLang="en-US" dirty="0"/>
           </a:p>
         </p:txBody>
       </p:sp>
@@ -4773,6 +6213,401 @@
     <p:extLst>
       <p:ext uri="{BB962C8B-B14F-4D97-AF65-F5344CB8AC3E}">
         <p14:creationId xmlns:p14="http://schemas.microsoft.com/office/powerpoint/2010/main" val="3967451373"/>
+      </p:ext>
+    </p:extLst>
+  </p:cSld>
+  <p:clrMapOvr>
+    <a:masterClrMapping/>
+  </p:clrMapOvr>
+</p:sld>
+</file>
+
+<file path=ppt/slides/slide7.xml><?xml version="1.0" encoding="utf-8"?>
+<p:sld xmlns:a="http://schemas.openxmlformats.org/drawingml/2006/main" xmlns:r="http://schemas.openxmlformats.org/officeDocument/2006/relationships" xmlns:p="http://schemas.openxmlformats.org/presentationml/2006/main">
+  <p:cSld>
+    <p:spTree>
+      <p:nvGrpSpPr>
+        <p:cNvPr id="1" name=""/>
+        <p:cNvGrpSpPr/>
+        <p:nvPr/>
+      </p:nvGrpSpPr>
+      <p:grpSpPr>
+        <a:xfrm>
+          <a:off x="0" y="0"/>
+          <a:ext cx="0" cy="0"/>
+          <a:chOff x="0" y="0"/>
+          <a:chExt cx="0" cy="0"/>
+        </a:xfrm>
+      </p:grpSpPr>
+      <p:sp>
+        <p:nvSpPr>
+          <p:cNvPr id="2" name="标题 1"/>
+          <p:cNvSpPr>
+            <a:spLocks noGrp="1"/>
+          </p:cNvSpPr>
+          <p:nvPr>
+            <p:ph type="title"/>
+          </p:nvPr>
+        </p:nvSpPr>
+        <p:spPr/>
+        <p:txBody>
+          <a:bodyPr/>
+          <a:lstStyle/>
+          <a:p>
+            <a:endParaRPr lang="zh-CN" altLang="en-US"/>
+          </a:p>
+        </p:txBody>
+      </p:sp>
+      <p:sp>
+        <p:nvSpPr>
+          <p:cNvPr id="3" name="内容占位符 2"/>
+          <p:cNvSpPr>
+            <a:spLocks noGrp="1"/>
+          </p:cNvSpPr>
+          <p:nvPr>
+            <p:ph idx="1"/>
+          </p:nvPr>
+        </p:nvSpPr>
+        <p:spPr/>
+        <p:txBody>
+          <a:bodyPr/>
+          <a:lstStyle/>
+          <a:p>
+            <a:r>
+              <a:rPr lang="en-US" altLang="zh-CN" dirty="0"/>
+              <a:t>The basis vectors of the vehicle simulation must also be configured so that </a:t>
+            </a:r>
+            <a:r>
+              <a:rPr lang="en-US" altLang="zh-CN" dirty="0" smtClean="0"/>
+              <a:t>longitudinal </a:t>
+            </a:r>
+            <a:r>
+              <a:rPr lang="en-US" altLang="zh-CN" dirty="0"/>
+              <a:t>and lateral tire slips may be unambiguously computed:</a:t>
+            </a:r>
+          </a:p>
+          <a:p>
+            <a:endParaRPr lang="zh-CN" altLang="en-US" dirty="0"/>
+          </a:p>
+        </p:txBody>
+      </p:sp>
+      <p:sp>
+        <p:nvSpPr>
+          <p:cNvPr id="4" name="矩形 3"/>
+          <p:cNvSpPr/>
+          <p:nvPr/>
+        </p:nvSpPr>
+        <p:spPr>
+          <a:xfrm>
+            <a:off x="1631975" y="3507854"/>
+            <a:ext cx="4572000" cy="646331"/>
+          </a:xfrm>
+          <a:prstGeom prst="rect">
+            <a:avLst/>
+          </a:prstGeom>
+        </p:spPr>
+        <p:txBody>
+          <a:bodyPr>
+            <a:spAutoFit/>
+          </a:bodyPr>
+          <a:lstStyle/>
+          <a:p>
+            <a:r>
+              <a:rPr lang="en-US" altLang="zh-CN" dirty="0"/>
+              <a:t>void </a:t>
+            </a:r>
+            <a:r>
+              <a:rPr lang="en-US" altLang="zh-CN" dirty="0" err="1"/>
+              <a:t>PxVehicleSetBasisVectors</a:t>
+            </a:r>
+            <a:r>
+              <a:rPr lang="en-US" altLang="zh-CN" dirty="0"/>
+              <a:t>(</a:t>
+            </a:r>
+            <a:r>
+              <a:rPr lang="en-US" altLang="zh-CN" dirty="0" err="1"/>
+              <a:t>const</a:t>
+            </a:r>
+            <a:r>
+              <a:rPr lang="en-US" altLang="zh-CN" dirty="0"/>
+              <a:t> PxVec3&amp; up, </a:t>
+            </a:r>
+            <a:r>
+              <a:rPr lang="en-US" altLang="zh-CN" dirty="0" err="1"/>
+              <a:t>const</a:t>
+            </a:r>
+            <a:r>
+              <a:rPr lang="en-US" altLang="zh-CN" dirty="0"/>
+              <a:t> PxVec3&amp; forward); </a:t>
+            </a:r>
+            <a:endParaRPr lang="zh-CN" altLang="en-US" dirty="0"/>
+          </a:p>
+        </p:txBody>
+      </p:sp>
+    </p:spTree>
+    <p:extLst>
+      <p:ext uri="{BB962C8B-B14F-4D97-AF65-F5344CB8AC3E}">
+        <p14:creationId xmlns:p14="http://schemas.microsoft.com/office/powerpoint/2010/main" val="4204988920"/>
+      </p:ext>
+    </p:extLst>
+  </p:cSld>
+  <p:clrMapOvr>
+    <a:masterClrMapping/>
+  </p:clrMapOvr>
+</p:sld>
+</file>
+
+<file path=ppt/slides/slide8.xml><?xml version="1.0" encoding="utf-8"?>
+<p:sld xmlns:a="http://schemas.openxmlformats.org/drawingml/2006/main" xmlns:r="http://schemas.openxmlformats.org/officeDocument/2006/relationships" xmlns:p="http://schemas.openxmlformats.org/presentationml/2006/main">
+  <p:cSld>
+    <p:spTree>
+      <p:nvGrpSpPr>
+        <p:cNvPr id="1" name=""/>
+        <p:cNvGrpSpPr/>
+        <p:nvPr/>
+      </p:nvGrpSpPr>
+      <p:grpSpPr>
+        <a:xfrm>
+          <a:off x="0" y="0"/>
+          <a:ext cx="0" cy="0"/>
+          <a:chOff x="0" y="0"/>
+          <a:chExt cx="0" cy="0"/>
+        </a:xfrm>
+      </p:grpSpPr>
+      <p:sp>
+        <p:nvSpPr>
+          <p:cNvPr id="2" name="标题 1"/>
+          <p:cNvSpPr>
+            <a:spLocks noGrp="1"/>
+          </p:cNvSpPr>
+          <p:nvPr>
+            <p:ph type="title"/>
+          </p:nvPr>
+        </p:nvSpPr>
+        <p:spPr/>
+        <p:txBody>
+          <a:bodyPr/>
+          <a:lstStyle/>
+          <a:p>
+            <a:endParaRPr lang="zh-CN" altLang="en-US"/>
+          </a:p>
+        </p:txBody>
+      </p:sp>
+      <p:sp>
+        <p:nvSpPr>
+          <p:cNvPr id="3" name="内容占位符 2"/>
+          <p:cNvSpPr>
+            <a:spLocks noGrp="1"/>
+          </p:cNvSpPr>
+          <p:nvPr>
+            <p:ph idx="1"/>
+          </p:nvPr>
+        </p:nvSpPr>
+        <p:spPr/>
+        <p:txBody>
+          <a:bodyPr/>
+          <a:lstStyle/>
+          <a:p>
+            <a:r>
+              <a:rPr lang="en-US" altLang="zh-CN" dirty="0"/>
+              <a:t>The rigid body actors associated with vehicles can be updated either immediately with velocity modifications or updated with an acceleration that is applied in the next PhysX SDK simulate call. The following function can be used to select the required update mode:</a:t>
+            </a:r>
+          </a:p>
+          <a:p>
+            <a:endParaRPr lang="zh-CN" altLang="en-US" dirty="0"/>
+          </a:p>
+        </p:txBody>
+      </p:sp>
+      <p:sp>
+        <p:nvSpPr>
+          <p:cNvPr id="4" name="矩形 3"/>
+          <p:cNvSpPr/>
+          <p:nvPr/>
+        </p:nvSpPr>
+        <p:spPr>
+          <a:xfrm>
+            <a:off x="1403648" y="4227934"/>
+            <a:ext cx="6822504" cy="646331"/>
+          </a:xfrm>
+          <a:prstGeom prst="rect">
+            <a:avLst/>
+          </a:prstGeom>
+        </p:spPr>
+        <p:txBody>
+          <a:bodyPr wrap="square">
+            <a:spAutoFit/>
+          </a:bodyPr>
+          <a:lstStyle/>
+          <a:p>
+            <a:r>
+              <a:rPr lang="en-US" altLang="zh-CN" dirty="0"/>
+              <a:t>void </a:t>
+            </a:r>
+            <a:r>
+              <a:rPr lang="en-US" altLang="zh-CN" dirty="0" err="1"/>
+              <a:t>PxVehicleSetUpdateMode</a:t>
+            </a:r>
+            <a:r>
+              <a:rPr lang="en-US" altLang="zh-CN" dirty="0"/>
+              <a:t>(</a:t>
+            </a:r>
+            <a:r>
+              <a:rPr lang="en-US" altLang="zh-CN" dirty="0" err="1"/>
+              <a:t>PxVehicleUpdateMode</a:t>
+            </a:r>
+            <a:r>
+              <a:rPr lang="en-US" altLang="zh-CN" dirty="0"/>
+              <a:t>::</a:t>
+            </a:r>
+            <a:r>
+              <a:rPr lang="en-US" altLang="zh-CN" dirty="0" err="1"/>
+              <a:t>Enum</a:t>
+            </a:r>
+            <a:r>
+              <a:rPr lang="en-US" altLang="zh-CN" dirty="0"/>
+              <a:t> </a:t>
+            </a:r>
+            <a:r>
+              <a:rPr lang="en-US" altLang="zh-CN" dirty="0" err="1"/>
+              <a:t>vehicleUpdateMode</a:t>
+            </a:r>
+            <a:r>
+              <a:rPr lang="en-US" altLang="zh-CN" dirty="0"/>
+              <a:t>); </a:t>
+            </a:r>
+            <a:endParaRPr lang="zh-CN" altLang="en-US" dirty="0"/>
+          </a:p>
+        </p:txBody>
+      </p:sp>
+    </p:spTree>
+    <p:extLst>
+      <p:ext uri="{BB962C8B-B14F-4D97-AF65-F5344CB8AC3E}">
+        <p14:creationId xmlns:p14="http://schemas.microsoft.com/office/powerpoint/2010/main" val="1330769949"/>
+      </p:ext>
+    </p:extLst>
+  </p:cSld>
+  <p:clrMapOvr>
+    <a:masterClrMapping/>
+  </p:clrMapOvr>
+</p:sld>
+</file>
+
+<file path=ppt/slides/slide9.xml><?xml version="1.0" encoding="utf-8"?>
+<p:sld xmlns:a="http://schemas.openxmlformats.org/drawingml/2006/main" xmlns:r="http://schemas.openxmlformats.org/officeDocument/2006/relationships" xmlns:p="http://schemas.openxmlformats.org/presentationml/2006/main">
+  <p:cSld>
+    <p:spTree>
+      <p:nvGrpSpPr>
+        <p:cNvPr id="1" name=""/>
+        <p:cNvGrpSpPr/>
+        <p:nvPr/>
+      </p:nvGrpSpPr>
+      <p:grpSpPr>
+        <a:xfrm>
+          <a:off x="0" y="0"/>
+          <a:ext cx="0" cy="0"/>
+          <a:chOff x="0" y="0"/>
+          <a:chExt cx="0" cy="0"/>
+        </a:xfrm>
+      </p:grpSpPr>
+      <p:sp>
+        <p:nvSpPr>
+          <p:cNvPr id="2" name="标题 1"/>
+          <p:cNvSpPr>
+            <a:spLocks noGrp="1"/>
+          </p:cNvSpPr>
+          <p:nvPr>
+            <p:ph type="title"/>
+          </p:nvPr>
+        </p:nvSpPr>
+        <p:spPr/>
+        <p:txBody>
+          <a:bodyPr/>
+          <a:lstStyle/>
+          <a:p>
+            <a:endParaRPr lang="zh-CN" altLang="en-US"/>
+          </a:p>
+        </p:txBody>
+      </p:sp>
+      <p:sp>
+        <p:nvSpPr>
+          <p:cNvPr id="3" name="内容占位符 2"/>
+          <p:cNvSpPr>
+            <a:spLocks noGrp="1"/>
+          </p:cNvSpPr>
+          <p:nvPr>
+            <p:ph idx="1"/>
+          </p:nvPr>
+        </p:nvSpPr>
+        <p:spPr/>
+        <p:txBody>
+          <a:bodyPr/>
+          <a:lstStyle/>
+          <a:p>
+            <a:r>
+              <a:rPr lang="en-US" altLang="zh-CN" dirty="0"/>
+              <a:t>the vehicle SDK also has a shutdown process which needs to be invoked:</a:t>
+            </a:r>
+            <a:endParaRPr lang="zh-CN" altLang="en-US" dirty="0"/>
+          </a:p>
+        </p:txBody>
+      </p:sp>
+      <p:sp>
+        <p:nvSpPr>
+          <p:cNvPr id="4" name="矩形 3"/>
+          <p:cNvSpPr/>
+          <p:nvPr/>
+        </p:nvSpPr>
+        <p:spPr>
+          <a:xfrm>
+            <a:off x="1115616" y="2715766"/>
+            <a:ext cx="6372200" cy="646331"/>
+          </a:xfrm>
+          <a:prstGeom prst="rect">
+            <a:avLst/>
+          </a:prstGeom>
+        </p:spPr>
+        <p:txBody>
+          <a:bodyPr wrap="square">
+            <a:spAutoFit/>
+          </a:bodyPr>
+          <a:lstStyle/>
+          <a:p>
+            <a:r>
+              <a:rPr lang="en-US" altLang="zh-CN" dirty="0"/>
+              <a:t>PX_C_EXPORT void PX_CALL_CONV </a:t>
+            </a:r>
+            <a:r>
+              <a:rPr lang="en-US" altLang="zh-CN" dirty="0" err="1"/>
+              <a:t>PxCloseVehicleSDK</a:t>
+            </a:r>
+            <a:r>
+              <a:rPr lang="en-US" altLang="zh-CN" dirty="0"/>
+              <a:t> (</a:t>
+            </a:r>
+            <a:r>
+              <a:rPr lang="en-US" altLang="zh-CN" dirty="0" err="1"/>
+              <a:t>PxSerializationRegistry</a:t>
+            </a:r>
+            <a:r>
+              <a:rPr lang="en-US" altLang="zh-CN" dirty="0"/>
+              <a:t>* </a:t>
+            </a:r>
+            <a:r>
+              <a:rPr lang="en-US" altLang="zh-CN" dirty="0" err="1"/>
+              <a:t>serializationRegistry</a:t>
+            </a:r>
+            <a:r>
+              <a:rPr lang="en-US" altLang="zh-CN" dirty="0"/>
+              <a:t> = NULL); </a:t>
+            </a:r>
+            <a:endParaRPr lang="zh-CN" altLang="en-US" dirty="0"/>
+          </a:p>
+        </p:txBody>
+      </p:sp>
+    </p:spTree>
+    <p:extLst>
+      <p:ext uri="{BB962C8B-B14F-4D97-AF65-F5344CB8AC3E}">
+        <p14:creationId xmlns:p14="http://schemas.microsoft.com/office/powerpoint/2010/main" val="1210835138"/>
       </p:ext>
     </p:extLst>
   </p:cSld>
